--- a/3_설계/1. 화면/20140714_화면설계서3차_장원석.pptx
+++ b/3_설계/1. 화면/20140714_화면설계서3차_장원석.pptx
@@ -117,7 +117,7 @@
   </p:defaultTextStyle>
   <p:extLst>
     <p:ext uri="{EFAFB233-063F-42B5-8137-9DF3F51BA10A}">
-      <p15:sldGuideLst xmlns="" xmlns:p15="http://schemas.microsoft.com/office/powerpoint/2012/main">
+      <p15:sldGuideLst xmlns:p15="http://schemas.microsoft.com/office/powerpoint/2012/main" xmlns="">
         <p15:guide id="1" orient="horz" pos="2160">
           <p15:clr>
             <a:srgbClr val="A4A3A4"/>
@@ -131,7 +131,7 @@
       </p15:sldGuideLst>
     </p:ext>
     <p:ext uri="{2D200454-40CA-4A62-9FC3-DE9A4176ACB9}">
-      <p15:notesGuideLst xmlns="" xmlns:p15="http://schemas.microsoft.com/office/powerpoint/2012/main">
+      <p15:notesGuideLst xmlns:p15="http://schemas.microsoft.com/office/powerpoint/2012/main" xmlns="">
         <p15:guide id="1" orient="horz" pos="2880">
           <p15:clr>
             <a:srgbClr val="A4A3A4"/>
@@ -4102,7 +4102,7 @@
           <p:nvPr>
             <p:extLst>
               <p:ext uri="{D42A27DB-BD31-4B8C-83A1-F6EECF244321}">
-                <p14:modId xmlns:p14="http://schemas.microsoft.com/office/powerpoint/2010/main" val="3525204789"/>
+                <p14:modId xmlns:p14="http://schemas.microsoft.com/office/powerpoint/2010/main" val="222411438"/>
               </p:ext>
             </p:extLst>
           </p:nvPr>
@@ -6820,11 +6820,11 @@
                     <a:p>
                       <a:pPr algn="l" fontAlgn="ctr"/>
                       <a:r>
-                        <a:rPr lang="ko-KR" altLang="en-US" sz="900" u="none" strike="noStrike" dirty="0" err="1">
+                        <a:rPr lang="ko-KR" altLang="en-US" sz="900" u="none" strike="noStrike" dirty="0" smtClean="0">
                           <a:effectLst/>
                           <a:latin typeface="+mj-lt"/>
                         </a:rPr>
-                        <a:t>물픔관리</a:t>
+                        <a:t>물품관리</a:t>
                       </a:r>
                       <a:endParaRPr lang="ko-KR" altLang="en-US" sz="900" b="0" i="0" u="none" strike="noStrike" dirty="0">
                         <a:solidFill>
@@ -17302,11 +17302,7 @@
             </a:r>
             <a:r>
               <a:rPr lang="ko-KR" altLang="en-US" dirty="0" smtClean="0"/>
-              <a:t>품 </a:t>
-            </a:r>
-            <a:r>
-              <a:rPr lang="ko-KR" altLang="en-US" dirty="0" smtClean="0"/>
-              <a:t>등록</a:t>
+              <a:t>품 등록</a:t>
             </a:r>
             <a:endParaRPr lang="ko-KR" altLang="en-US" dirty="0"/>
           </a:p>
@@ -20923,7 +20919,6 @@
               <a:rPr lang="ko-KR" altLang="en-US" dirty="0"/>
               <a:t>정</a:t>
             </a:r>
-            <a:endParaRPr lang="ko-KR" altLang="en-US" dirty="0"/>
           </a:p>
         </p:txBody>
       </p:sp>
@@ -26925,7 +26920,6 @@
               <a:rPr lang="ko-KR" altLang="en-US" dirty="0"/>
               <a:t>세</a:t>
             </a:r>
-            <a:endParaRPr lang="ko-KR" altLang="en-US" dirty="0"/>
           </a:p>
         </p:txBody>
       </p:sp>
@@ -26946,15 +26940,7 @@
           <a:p>
             <a:r>
               <a:rPr lang="en-US" altLang="ko-KR" dirty="0" smtClean="0"/>
-              <a:t>Intro &gt; main &gt; </a:t>
-            </a:r>
-            <a:r>
-              <a:rPr lang="en-US" altLang="ko-KR" dirty="0" smtClean="0"/>
-              <a:t>maul&gt;</a:t>
-            </a:r>
-            <a:r>
-              <a:rPr lang="en-US" altLang="ko-KR" dirty="0" smtClean="0"/>
-              <a:t>product review</a:t>
+              <a:t>Intro &gt; main &gt; maul&gt;product review</a:t>
             </a:r>
             <a:endParaRPr lang="ko-KR" altLang="en-US" dirty="0" smtClean="0"/>
           </a:p>
